--- a/Chap/Prog02/Presentations/Debugging.pptx
+++ b/Chap/Prog02/Presentations/Debugging.pptx
@@ -271,7 +271,7 @@
           <a:p>
             <a:fld id="{E15B7D8E-2A20-4C0E-991C-872DBB7459A8}" type="datetimeFigureOut">
               <a:rPr lang="da-DK" smtClean="0"/>
-              <a:t>11-08-2022</a:t>
+              <a:t>24-08-2024</a:t>
             </a:fld>
             <a:endParaRPr lang="da-DK"/>
           </a:p>
@@ -439,7 +439,7 @@
           <a:p>
             <a:fld id="{E15B7D8E-2A20-4C0E-991C-872DBB7459A8}" type="datetimeFigureOut">
               <a:rPr lang="da-DK" smtClean="0"/>
-              <a:t>11-08-2022</a:t>
+              <a:t>24-08-2024</a:t>
             </a:fld>
             <a:endParaRPr lang="da-DK"/>
           </a:p>
@@ -617,7 +617,7 @@
           <a:p>
             <a:fld id="{E15B7D8E-2A20-4C0E-991C-872DBB7459A8}" type="datetimeFigureOut">
               <a:rPr lang="da-DK" smtClean="0"/>
-              <a:t>11-08-2022</a:t>
+              <a:t>24-08-2024</a:t>
             </a:fld>
             <a:endParaRPr lang="da-DK"/>
           </a:p>
@@ -785,7 +785,7 @@
           <a:p>
             <a:fld id="{E15B7D8E-2A20-4C0E-991C-872DBB7459A8}" type="datetimeFigureOut">
               <a:rPr lang="da-DK" smtClean="0"/>
-              <a:t>11-08-2022</a:t>
+              <a:t>24-08-2024</a:t>
             </a:fld>
             <a:endParaRPr lang="da-DK"/>
           </a:p>
@@ -1030,7 +1030,7 @@
           <a:p>
             <a:fld id="{E15B7D8E-2A20-4C0E-991C-872DBB7459A8}" type="datetimeFigureOut">
               <a:rPr lang="da-DK" smtClean="0"/>
-              <a:t>11-08-2022</a:t>
+              <a:t>24-08-2024</a:t>
             </a:fld>
             <a:endParaRPr lang="da-DK"/>
           </a:p>
@@ -1259,7 +1259,7 @@
           <a:p>
             <a:fld id="{E15B7D8E-2A20-4C0E-991C-872DBB7459A8}" type="datetimeFigureOut">
               <a:rPr lang="da-DK" smtClean="0"/>
-              <a:t>11-08-2022</a:t>
+              <a:t>24-08-2024</a:t>
             </a:fld>
             <a:endParaRPr lang="da-DK"/>
           </a:p>
@@ -1623,7 +1623,7 @@
           <a:p>
             <a:fld id="{E15B7D8E-2A20-4C0E-991C-872DBB7459A8}" type="datetimeFigureOut">
               <a:rPr lang="da-DK" smtClean="0"/>
-              <a:t>11-08-2022</a:t>
+              <a:t>24-08-2024</a:t>
             </a:fld>
             <a:endParaRPr lang="da-DK"/>
           </a:p>
@@ -1740,7 +1740,7 @@
           <a:p>
             <a:fld id="{E15B7D8E-2A20-4C0E-991C-872DBB7459A8}" type="datetimeFigureOut">
               <a:rPr lang="da-DK" smtClean="0"/>
-              <a:t>11-08-2022</a:t>
+              <a:t>24-08-2024</a:t>
             </a:fld>
             <a:endParaRPr lang="da-DK"/>
           </a:p>
@@ -1835,7 +1835,7 @@
           <a:p>
             <a:fld id="{E15B7D8E-2A20-4C0E-991C-872DBB7459A8}" type="datetimeFigureOut">
               <a:rPr lang="da-DK" smtClean="0"/>
-              <a:t>11-08-2022</a:t>
+              <a:t>24-08-2024</a:t>
             </a:fld>
             <a:endParaRPr lang="da-DK"/>
           </a:p>
@@ -2110,7 +2110,7 @@
           <a:p>
             <a:fld id="{E15B7D8E-2A20-4C0E-991C-872DBB7459A8}" type="datetimeFigureOut">
               <a:rPr lang="da-DK" smtClean="0"/>
-              <a:t>11-08-2022</a:t>
+              <a:t>24-08-2024</a:t>
             </a:fld>
             <a:endParaRPr lang="da-DK"/>
           </a:p>
@@ -2362,7 +2362,7 @@
           <a:p>
             <a:fld id="{E15B7D8E-2A20-4C0E-991C-872DBB7459A8}" type="datetimeFigureOut">
               <a:rPr lang="da-DK" smtClean="0"/>
-              <a:t>11-08-2022</a:t>
+              <a:t>24-08-2024</a:t>
             </a:fld>
             <a:endParaRPr lang="da-DK"/>
           </a:p>
@@ -2573,7 +2573,7 @@
           <a:p>
             <a:fld id="{E15B7D8E-2A20-4C0E-991C-872DBB7459A8}" type="datetimeFigureOut">
               <a:rPr lang="da-DK" smtClean="0"/>
-              <a:t>11-08-2022</a:t>
+              <a:t>24-08-2024</a:t>
             </a:fld>
             <a:endParaRPr lang="da-DK"/>
           </a:p>
@@ -2990,7 +2990,7 @@
         </p:nvSpPr>
         <p:spPr>
           <a:xfrm>
-            <a:off x="1524000" y="1122362"/>
+            <a:off x="1524000" y="1317169"/>
             <a:ext cx="9144000" cy="2047959"/>
           </a:xfrm>
         </p:spPr>
@@ -7479,7 +7479,19 @@
               <a:rPr lang="da-DK" sz="3200">
                 <a:latin typeface="+mj-lt"/>
               </a:rPr>
-              <a:t>Are requirements clear?</a:t>
+              <a:t>Are </a:t>
+            </a:r>
+            <a:r>
+              <a:rPr lang="da-DK" sz="3200" u="sng">
+                <a:latin typeface="+mj-lt"/>
+              </a:rPr>
+              <a:t>requirements</a:t>
+            </a:r>
+            <a:r>
+              <a:rPr lang="da-DK" sz="3200">
+                <a:latin typeface="+mj-lt"/>
+              </a:rPr>
+              <a:t> clear?</a:t>
             </a:r>
             <a:endParaRPr lang="da-DK"/>
           </a:p>
